--- a/Python for Microcontrollers.pptx
+++ b/Python for Microcontrollers.pptx
@@ -36,8 +36,9 @@
     <p:sldId id="286" r:id="rId30"/>
     <p:sldId id="287" r:id="rId31"/>
     <p:sldId id="290" r:id="rId32"/>
-    <p:sldId id="292" r:id="rId33"/>
-    <p:sldId id="293" r:id="rId34"/>
+    <p:sldId id="291" r:id="rId33"/>
+    <p:sldId id="292" r:id="rId34"/>
+    <p:sldId id="293" r:id="rId35"/>
   </p:sldIdLst>
   <p:sldSz cx="12192000" cy="6858000"/>
   <p:notesSz cx="6858000" cy="9144000"/>
@@ -136,11 +137,6 @@
       </a:defRPr>
     </a:lvl9pPr>
   </p:defaultTextStyle>
-  <p:extLst>
-    <p:ext uri="{EFAFB233-063F-42B5-8137-9DF3F51BA10A}">
-      <p15:sldGuideLst xmlns:p15="http://schemas.microsoft.com/office/powerpoint/2012/main"/>
-    </p:ext>
-  </p:extLst>
 </p:presentation>
 </file>
 
@@ -867,7 +863,7 @@
             <a:fld id="{B61BEF0D-F0BB-DE4B-95CE-6DB70DBA9567}" type="datetimeFigureOut">
               <a:rPr lang="en-US" dirty="0"/>
               <a:pPr/>
-              <a:t>10/30/20</a:t>
+              <a:t>10/26/20</a:t>
             </a:fld>
             <a:endParaRPr lang="en-US" dirty="0"/>
           </a:p>
@@ -1115,7 +1111,7 @@
             <a:fld id="{B61BEF0D-F0BB-DE4B-95CE-6DB70DBA9567}" type="datetimeFigureOut">
               <a:rPr lang="en-US" dirty="0"/>
               <a:pPr/>
-              <a:t>10/30/20</a:t>
+              <a:t>10/26/20</a:t>
             </a:fld>
             <a:endParaRPr lang="en-US" dirty="0"/>
           </a:p>
@@ -1426,7 +1422,7 @@
             <a:fld id="{B61BEF0D-F0BB-DE4B-95CE-6DB70DBA9567}" type="datetimeFigureOut">
               <a:rPr lang="en-US" dirty="0"/>
               <a:pPr/>
-              <a:t>10/30/20</a:t>
+              <a:t>10/26/20</a:t>
             </a:fld>
             <a:endParaRPr lang="en-US" dirty="0"/>
           </a:p>
@@ -1764,7 +1760,7 @@
             <a:fld id="{B61BEF0D-F0BB-DE4B-95CE-6DB70DBA9567}" type="datetimeFigureOut">
               <a:rPr lang="en-US" dirty="0"/>
               <a:pPr/>
-              <a:t>10/30/20</a:t>
+              <a:t>10/26/20</a:t>
             </a:fld>
             <a:endParaRPr lang="en-US" dirty="0"/>
           </a:p>
@@ -2075,7 +2071,7 @@
             <a:fld id="{B61BEF0D-F0BB-DE4B-95CE-6DB70DBA9567}" type="datetimeFigureOut">
               <a:rPr lang="en-US" dirty="0"/>
               <a:pPr/>
-              <a:t>10/30/20</a:t>
+              <a:t>10/26/20</a:t>
             </a:fld>
             <a:endParaRPr lang="en-US" dirty="0"/>
           </a:p>
@@ -2465,7 +2461,7 @@
             <a:fld id="{B61BEF0D-F0BB-DE4B-95CE-6DB70DBA9567}" type="datetimeFigureOut">
               <a:rPr lang="en-US" dirty="0"/>
               <a:pPr/>
-              <a:t>10/30/20</a:t>
+              <a:t>10/26/20</a:t>
             </a:fld>
             <a:endParaRPr lang="en-US" dirty="0"/>
           </a:p>
@@ -2631,7 +2627,7 @@
           <a:p>
             <a:fld id="{55C6B4A9-1611-4792-9094-5F34BCA07E0B}" type="datetimeFigureOut">
               <a:rPr lang="en-US" dirty="0"/>
-              <a:t>10/30/20</a:t>
+              <a:t>10/26/20</a:t>
             </a:fld>
             <a:endParaRPr lang="en-US" dirty="0"/>
           </a:p>
@@ -2807,7 +2803,7 @@
             <a:fld id="{B61BEF0D-F0BB-DE4B-95CE-6DB70DBA9567}" type="datetimeFigureOut">
               <a:rPr lang="en-US" dirty="0"/>
               <a:pPr/>
-              <a:t>10/30/20</a:t>
+              <a:t>10/26/20</a:t>
             </a:fld>
             <a:endParaRPr lang="en-US" dirty="0"/>
           </a:p>
@@ -2980,7 +2976,7 @@
             <a:fld id="{B61BEF0D-F0BB-DE4B-95CE-6DB70DBA9567}" type="datetimeFigureOut">
               <a:rPr lang="en-US" dirty="0"/>
               <a:pPr/>
-              <a:t>10/30/20</a:t>
+              <a:t>10/26/20</a:t>
             </a:fld>
             <a:endParaRPr lang="en-US" dirty="0"/>
           </a:p>
@@ -3224,7 +3220,7 @@
             <a:fld id="{B61BEF0D-F0BB-DE4B-95CE-6DB70DBA9567}" type="datetimeFigureOut">
               <a:rPr lang="en-US" dirty="0"/>
               <a:pPr/>
-              <a:t>10/30/20</a:t>
+              <a:t>10/26/20</a:t>
             </a:fld>
             <a:endParaRPr lang="en-US" dirty="0"/>
           </a:p>
@@ -3452,7 +3448,7 @@
           <a:p>
             <a:fld id="{EB712588-04B1-427B-82EE-E8DB90309F08}" type="datetimeFigureOut">
               <a:rPr lang="en-US" dirty="0"/>
-              <a:t>10/30/20</a:t>
+              <a:t>10/26/20</a:t>
             </a:fld>
             <a:endParaRPr lang="en-US" dirty="0"/>
           </a:p>
@@ -3822,7 +3818,7 @@
             <a:fld id="{B61BEF0D-F0BB-DE4B-95CE-6DB70DBA9567}" type="datetimeFigureOut">
               <a:rPr lang="en-US" dirty="0"/>
               <a:pPr/>
-              <a:t>10/30/20</a:t>
+              <a:t>10/26/20</a:t>
             </a:fld>
             <a:endParaRPr lang="en-US" dirty="0"/>
           </a:p>
@@ -3942,7 +3938,7 @@
             <a:fld id="{B61BEF0D-F0BB-DE4B-95CE-6DB70DBA9567}" type="datetimeFigureOut">
               <a:rPr lang="en-US" dirty="0"/>
               <a:pPr/>
-              <a:t>10/30/20</a:t>
+              <a:t>10/26/20</a:t>
             </a:fld>
             <a:endParaRPr lang="en-US" dirty="0"/>
           </a:p>
@@ -4034,7 +4030,7 @@
             <a:fld id="{B61BEF0D-F0BB-DE4B-95CE-6DB70DBA9567}" type="datetimeFigureOut">
               <a:rPr lang="en-US" dirty="0"/>
               <a:pPr/>
-              <a:t>10/30/20</a:t>
+              <a:t>10/26/20</a:t>
             </a:fld>
             <a:endParaRPr lang="en-US" dirty="0"/>
           </a:p>
@@ -4285,7 +4281,7 @@
           <a:p>
             <a:fld id="{42A54C80-263E-416B-A8E0-580EDEADCBDC}" type="datetimeFigureOut">
               <a:rPr lang="en-US" dirty="0"/>
-              <a:t>10/30/20</a:t>
+              <a:t>10/26/20</a:t>
             </a:fld>
             <a:endParaRPr lang="en-US" dirty="0"/>
           </a:p>
@@ -4544,7 +4540,7 @@
             <a:fld id="{B61BEF0D-F0BB-DE4B-95CE-6DB70DBA9567}" type="datetimeFigureOut">
               <a:rPr lang="en-US" dirty="0"/>
               <a:pPr/>
-              <a:t>10/30/20</a:t>
+              <a:t>10/26/20</a:t>
             </a:fld>
             <a:endParaRPr lang="en-US" dirty="0"/>
           </a:p>
@@ -5284,7 +5280,7 @@
             <a:fld id="{B61BEF0D-F0BB-DE4B-95CE-6DB70DBA9567}" type="datetimeFigureOut">
               <a:rPr lang="en-US" dirty="0"/>
               <a:pPr/>
-              <a:t>10/30/20</a:t>
+              <a:t>10/26/20</a:t>
             </a:fld>
             <a:endParaRPr lang="en-US" dirty="0"/>
           </a:p>
@@ -9204,7 +9200,7 @@
           <a:graphicData uri="http://schemas.openxmlformats.org/presentationml/2006/ole">
             <mc:AlternateContent xmlns:mc="http://schemas.openxmlformats.org/markup-compatibility/2006">
               <mc:Choice xmlns:v="urn:schemas-microsoft-com:vml" Requires="v">
-                <p:oleObj spid="_x0000_s10262" name="Document" r:id="rId3" imgW="5727700" imgH="3073400" progId="Word.Document.12">
+                <p:oleObj spid="_x0000_s10261" name="Document" r:id="rId3" imgW="5727700" imgH="3073400" progId="Word.Document.12">
                   <p:embed/>
                 </p:oleObj>
               </mc:Choice>
@@ -12630,6 +12626,86 @@
       </p:grpSpPr>
       <p:sp>
         <p:nvSpPr>
+          <p:cNvPr id="2" name="Title 1">
+            <a:extLst>
+              <a:ext uri="{FF2B5EF4-FFF2-40B4-BE49-F238E27FC236}">
+                <a16:creationId xmlns:a16="http://schemas.microsoft.com/office/drawing/2014/main" id="{3C8712E2-6795-AD4A-9A8E-8930EA92731A}"/>
+              </a:ext>
+            </a:extLst>
+          </p:cNvPr>
+          <p:cNvSpPr>
+            <a:spLocks noGrp="1"/>
+          </p:cNvSpPr>
+          <p:nvPr>
+            <p:ph type="title"/>
+          </p:nvPr>
+        </p:nvSpPr>
+        <p:spPr/>
+        <p:txBody>
+          <a:bodyPr/>
+          <a:lstStyle/>
+          <a:p>
+            <a:endParaRPr lang="en-US"/>
+          </a:p>
+        </p:txBody>
+      </p:sp>
+      <p:sp>
+        <p:nvSpPr>
+          <p:cNvPr id="3" name="Content Placeholder 2">
+            <a:extLst>
+              <a:ext uri="{FF2B5EF4-FFF2-40B4-BE49-F238E27FC236}">
+                <a16:creationId xmlns:a16="http://schemas.microsoft.com/office/drawing/2014/main" id="{F6D5A116-FA16-054D-8C07-C7DC3E93D0F6}"/>
+              </a:ext>
+            </a:extLst>
+          </p:cNvPr>
+          <p:cNvSpPr>
+            <a:spLocks noGrp="1"/>
+          </p:cNvSpPr>
+          <p:nvPr>
+            <p:ph idx="1"/>
+          </p:nvPr>
+        </p:nvSpPr>
+        <p:spPr/>
+        <p:txBody>
+          <a:bodyPr/>
+          <a:lstStyle/>
+          <a:p>
+            <a:endParaRPr lang="en-US"/>
+          </a:p>
+        </p:txBody>
+      </p:sp>
+    </p:spTree>
+    <p:extLst>
+      <p:ext uri="{BB962C8B-B14F-4D97-AF65-F5344CB8AC3E}">
+        <p14:creationId xmlns:p14="http://schemas.microsoft.com/office/powerpoint/2010/main" val="4123773425"/>
+      </p:ext>
+    </p:extLst>
+  </p:cSld>
+  <p:clrMapOvr>
+    <a:masterClrMapping/>
+  </p:clrMapOvr>
+</p:sld>
+</file>
+
+<file path=ppt/slides/slide33.xml><?xml version="1.0" encoding="utf-8"?>
+<p:sld xmlns:a="http://schemas.openxmlformats.org/drawingml/2006/main" xmlns:r="http://schemas.openxmlformats.org/officeDocument/2006/relationships" xmlns:p="http://schemas.openxmlformats.org/presentationml/2006/main">
+  <p:cSld>
+    <p:spTree>
+      <p:nvGrpSpPr>
+        <p:cNvPr id="1" name=""/>
+        <p:cNvGrpSpPr/>
+        <p:nvPr/>
+      </p:nvGrpSpPr>
+      <p:grpSpPr>
+        <a:xfrm>
+          <a:off x="0" y="0"/>
+          <a:ext cx="0" cy="0"/>
+          <a:chOff x="0" y="0"/>
+          <a:chExt cx="0" cy="0"/>
+        </a:xfrm>
+      </p:grpSpPr>
+      <p:sp>
+        <p:nvSpPr>
           <p:cNvPr id="2" name="Rectangle 2">
             <a:extLst>
               <a:ext uri="{FF2B5EF4-FFF2-40B4-BE49-F238E27FC236}">
@@ -12757,7 +12833,7 @@
 </p:sld>
 </file>
 
-<file path=ppt/slides/slide33.xml><?xml version="1.0" encoding="utf-8"?>
+<file path=ppt/slides/slide34.xml><?xml version="1.0" encoding="utf-8"?>
 <p:sld xmlns:a="http://schemas.openxmlformats.org/drawingml/2006/main" xmlns:r="http://schemas.openxmlformats.org/officeDocument/2006/relationships" xmlns:p="http://schemas.openxmlformats.org/presentationml/2006/main">
   <p:cSld>
     <p:spTree>
